--- a/Info/PPTs/Programación y Laboratorio II.pptx
+++ b/Info/PPTs/Programación y Laboratorio II.pptx
@@ -205,7 +205,7 @@
           <a:p>
             <a:fld id="{1E6648A2-EA33-47F9-96A0-CE144141342A}" type="datetimeFigureOut">
               <a:rPr lang="es-AR" smtClean="0"/>
-              <a:t>20/03/2018</a:t>
+              <a:t>18/05/2018</a:t>
             </a:fld>
             <a:endParaRPr lang="es-AR"/>
           </a:p>
@@ -861,11 +861,7 @@
             </a:r>
             <a:r>
               <a:rPr lang="es-AR" baseline="0" dirty="0" smtClean="0"/>
-              <a:t> adelantando, no dejar todo para último </a:t>
-            </a:r>
-            <a:r>
-              <a:rPr lang="es-AR" baseline="0" dirty="0" smtClean="0"/>
-              <a:t>momento</a:t>
+              <a:t> adelantando, no dejar todo para último momento</a:t>
             </a:r>
           </a:p>
           <a:p>
@@ -1291,7 +1287,7 @@
           <a:p>
             <a:fld id="{78ABE3C1-DBE1-495D-B57B-2849774B866A}" type="datetimeFigureOut">
               <a:rPr lang="en-US" dirty="0"/>
-              <a:t>3/20/2018</a:t>
+              <a:t>5/18/2018</a:t>
             </a:fld>
             <a:endParaRPr lang="en-US" dirty="0"/>
           </a:p>
@@ -1700,7 +1696,7 @@
           <a:p>
             <a:fld id="{446C117F-5CCF-4837-BE5F-2B92066CAFAF}" type="datetimeFigureOut">
               <a:rPr lang="en-US" dirty="0"/>
-              <a:t>3/20/2018</a:t>
+              <a:t>5/18/2018</a:t>
             </a:fld>
             <a:endParaRPr lang="en-US" dirty="0"/>
           </a:p>
@@ -2031,7 +2027,7 @@
           <a:p>
             <a:fld id="{84EB90BD-B6CE-46B7-997F-7313B992CCDC}" type="datetimeFigureOut">
               <a:rPr lang="en-US" dirty="0"/>
-              <a:t>3/20/2018</a:t>
+              <a:t>5/18/2018</a:t>
             </a:fld>
             <a:endParaRPr lang="en-US" dirty="0"/>
           </a:p>
@@ -2431,7 +2427,7 @@
           <a:p>
             <a:fld id="{CDB9D11F-B188-461D-B23F-39381795C052}" type="datetimeFigureOut">
               <a:rPr lang="en-US" dirty="0"/>
-              <a:t>3/20/2018</a:t>
+              <a:t>5/18/2018</a:t>
             </a:fld>
             <a:endParaRPr lang="en-US" dirty="0"/>
           </a:p>
@@ -2994,7 +2990,7 @@
           <a:p>
             <a:fld id="{52E6D8D9-55A2-4063-B0F3-121F44549695}" type="datetimeFigureOut">
               <a:rPr lang="en-US" dirty="0"/>
-              <a:t>3/20/2018</a:t>
+              <a:t>5/18/2018</a:t>
             </a:fld>
             <a:endParaRPr lang="en-US" dirty="0"/>
           </a:p>
@@ -3670,7 +3666,7 @@
           <a:p>
             <a:fld id="{D4B24536-994D-4021-A283-9F449C0DB509}" type="datetimeFigureOut">
               <a:rPr lang="en-US" dirty="0"/>
-              <a:t>3/20/2018</a:t>
+              <a:t>5/18/2018</a:t>
             </a:fld>
             <a:endParaRPr lang="en-US" dirty="0"/>
           </a:p>
@@ -4578,7 +4574,7 @@
           <a:p>
             <a:fld id="{3CBBBB78-C96F-47B7-AB17-D852CA960AC9}" type="datetimeFigureOut">
               <a:rPr lang="en-US" dirty="0"/>
-              <a:t>3/20/2018</a:t>
+              <a:t>5/18/2018</a:t>
             </a:fld>
             <a:endParaRPr lang="en-US" dirty="0"/>
           </a:p>
@@ -4886,7 +4882,7 @@
           <a:p>
             <a:fld id="{1FA3F48C-C7C6-4055-9F49-3777875E72AE}" type="datetimeFigureOut">
               <a:rPr lang="en-US" dirty="0"/>
-              <a:t>3/20/2018</a:t>
+              <a:t>5/18/2018</a:t>
             </a:fld>
             <a:endParaRPr lang="en-US" dirty="0"/>
           </a:p>
@@ -5145,7 +5141,7 @@
           <a:p>
             <a:fld id="{6178E61D-D431-422C-9764-11DAFE33AB63}" type="datetimeFigureOut">
               <a:rPr lang="en-US" dirty="0"/>
-              <a:t>3/20/2018</a:t>
+              <a:t>5/18/2018</a:t>
             </a:fld>
             <a:endParaRPr lang="en-US" dirty="0"/>
           </a:p>
@@ -5464,7 +5460,7 @@
           <a:p>
             <a:fld id="{12DE42F4-6EEF-4EF7-8ED4-2208F0F89A08}" type="datetimeFigureOut">
               <a:rPr lang="en-US" dirty="0"/>
-              <a:t>3/20/2018</a:t>
+              <a:t>5/18/2018</a:t>
             </a:fld>
             <a:endParaRPr lang="en-US" dirty="0"/>
           </a:p>
@@ -5848,7 +5844,7 @@
           <a:p>
             <a:fld id="{30578ACC-22D6-47C1-A373-4FD133E34F3C}" type="datetimeFigureOut">
               <a:rPr lang="en-US" dirty="0"/>
-              <a:t>3/20/2018</a:t>
+              <a:t>5/18/2018</a:t>
             </a:fld>
             <a:endParaRPr lang="en-US" dirty="0"/>
           </a:p>
@@ -6219,7 +6215,7 @@
           <a:p>
             <a:fld id="{4E5A6C69-6797-4E8A-BF37-F2C3751466E9}" type="datetimeFigureOut">
               <a:rPr lang="en-US" dirty="0"/>
-              <a:t>3/20/2018</a:t>
+              <a:t>5/18/2018</a:t>
             </a:fld>
             <a:endParaRPr lang="en-US" dirty="0"/>
           </a:p>
@@ -6720,7 +6716,7 @@
           <a:p>
             <a:fld id="{D82014A1-A632-4878-A0D3-F52BA7563730}" type="datetimeFigureOut">
               <a:rPr lang="en-US" dirty="0"/>
-              <a:t>3/20/2018</a:t>
+              <a:t>5/18/2018</a:t>
             </a:fld>
             <a:endParaRPr lang="en-US" dirty="0"/>
           </a:p>
@@ -6972,7 +6968,7 @@
           <a:p>
             <a:fld id="{CE99F462-093F-4566-844B-4C71F2739DA5}" type="datetimeFigureOut">
               <a:rPr lang="en-US" dirty="0"/>
-              <a:t>3/20/2018</a:t>
+              <a:t>5/18/2018</a:t>
             </a:fld>
             <a:endParaRPr lang="en-US" dirty="0"/>
           </a:p>
@@ -7130,7 +7126,7 @@
           <a:p>
             <a:fld id="{3D24A7AC-904D-4781-85BA-7D10C17ED021}" type="datetimeFigureOut">
               <a:rPr lang="en-US" dirty="0"/>
-              <a:t>3/20/2018</a:t>
+              <a:t>5/18/2018</a:t>
             </a:fld>
             <a:endParaRPr lang="en-US" dirty="0"/>
           </a:p>
@@ -7515,7 +7511,7 @@
           <a:p>
             <a:fld id="{E331444B-B92B-4E27-8C94-BB93EAF5CB18}" type="datetimeFigureOut">
               <a:rPr lang="en-US" dirty="0"/>
-              <a:t>3/20/2018</a:t>
+              <a:t>5/18/2018</a:t>
             </a:fld>
             <a:endParaRPr lang="en-US" dirty="0"/>
           </a:p>
@@ -7919,7 +7915,7 @@
           <a:p>
             <a:fld id="{363EFA5E-FA76-400D-B3DC-F0BA90E6D107}" type="datetimeFigureOut">
               <a:rPr lang="en-US" dirty="0"/>
-              <a:t>3/20/2018</a:t>
+              <a:t>5/18/2018</a:t>
             </a:fld>
             <a:endParaRPr lang="en-US" dirty="0"/>
           </a:p>
@@ -8158,7 +8154,7 @@
           <a:p>
             <a:fld id="{9D6E9DEC-419B-4CC5-A080-3B06BD5A8291}" type="datetimeFigureOut">
               <a:rPr lang="en-US" dirty="0"/>
-              <a:t>3/20/2018</a:t>
+              <a:t>5/18/2018</a:t>
             </a:fld>
             <a:endParaRPr lang="en-US" dirty="0"/>
           </a:p>
@@ -9225,7 +9221,12 @@
             <p:ph idx="1"/>
           </p:nvPr>
         </p:nvSpPr>
-        <p:spPr/>
+        <p:spPr>
+          <a:xfrm>
+            <a:off x="680321" y="2336873"/>
+            <a:ext cx="9613861" cy="2410250"/>
+          </a:xfrm>
+        </p:spPr>
         <p:txBody>
           <a:bodyPr/>
           <a:lstStyle/>
